--- a/Python-Slides/Python-Pandas-Session#15.pptx
+++ b/Python-Slides/Python-Pandas-Session#15.pptx
@@ -279,7 +279,7 @@
           <a:p>
             <a:fld id="{959E71C0-47FE-46EE-B32C-C4C4337A7E6C}" type="datetimeFigureOut">
               <a:rPr lang="en-IN" smtClean="0"/>
-              <a:t>16-11-2020</a:t>
+              <a:t>26-02-2021</a:t>
             </a:fld>
             <a:endParaRPr lang="en-IN"/>
           </a:p>
@@ -479,7 +479,7 @@
           <a:p>
             <a:fld id="{959E71C0-47FE-46EE-B32C-C4C4337A7E6C}" type="datetimeFigureOut">
               <a:rPr lang="en-IN" smtClean="0"/>
-              <a:t>16-11-2020</a:t>
+              <a:t>26-02-2021</a:t>
             </a:fld>
             <a:endParaRPr lang="en-IN"/>
           </a:p>
@@ -689,7 +689,7 @@
           <a:p>
             <a:fld id="{959E71C0-47FE-46EE-B32C-C4C4337A7E6C}" type="datetimeFigureOut">
               <a:rPr lang="en-IN" smtClean="0"/>
-              <a:t>16-11-2020</a:t>
+              <a:t>26-02-2021</a:t>
             </a:fld>
             <a:endParaRPr lang="en-IN"/>
           </a:p>
@@ -889,7 +889,7 @@
           <a:p>
             <a:fld id="{959E71C0-47FE-46EE-B32C-C4C4337A7E6C}" type="datetimeFigureOut">
               <a:rPr lang="en-IN" smtClean="0"/>
-              <a:t>16-11-2020</a:t>
+              <a:t>26-02-2021</a:t>
             </a:fld>
             <a:endParaRPr lang="en-IN"/>
           </a:p>
@@ -1165,7 +1165,7 @@
           <a:p>
             <a:fld id="{959E71C0-47FE-46EE-B32C-C4C4337A7E6C}" type="datetimeFigureOut">
               <a:rPr lang="en-IN" smtClean="0"/>
-              <a:t>16-11-2020</a:t>
+              <a:t>26-02-2021</a:t>
             </a:fld>
             <a:endParaRPr lang="en-IN"/>
           </a:p>
@@ -1433,7 +1433,7 @@
           <a:p>
             <a:fld id="{959E71C0-47FE-46EE-B32C-C4C4337A7E6C}" type="datetimeFigureOut">
               <a:rPr lang="en-IN" smtClean="0"/>
-              <a:t>16-11-2020</a:t>
+              <a:t>26-02-2021</a:t>
             </a:fld>
             <a:endParaRPr lang="en-IN"/>
           </a:p>
@@ -1848,7 +1848,7 @@
           <a:p>
             <a:fld id="{959E71C0-47FE-46EE-B32C-C4C4337A7E6C}" type="datetimeFigureOut">
               <a:rPr lang="en-IN" smtClean="0"/>
-              <a:t>16-11-2020</a:t>
+              <a:t>26-02-2021</a:t>
             </a:fld>
             <a:endParaRPr lang="en-IN"/>
           </a:p>
@@ -1990,7 +1990,7 @@
           <a:p>
             <a:fld id="{959E71C0-47FE-46EE-B32C-C4C4337A7E6C}" type="datetimeFigureOut">
               <a:rPr lang="en-IN" smtClean="0"/>
-              <a:t>16-11-2020</a:t>
+              <a:t>26-02-2021</a:t>
             </a:fld>
             <a:endParaRPr lang="en-IN"/>
           </a:p>
@@ -2103,7 +2103,7 @@
           <a:p>
             <a:fld id="{959E71C0-47FE-46EE-B32C-C4C4337A7E6C}" type="datetimeFigureOut">
               <a:rPr lang="en-IN" smtClean="0"/>
-              <a:t>16-11-2020</a:t>
+              <a:t>26-02-2021</a:t>
             </a:fld>
             <a:endParaRPr lang="en-IN"/>
           </a:p>
@@ -2416,7 +2416,7 @@
           <a:p>
             <a:fld id="{959E71C0-47FE-46EE-B32C-C4C4337A7E6C}" type="datetimeFigureOut">
               <a:rPr lang="en-IN" smtClean="0"/>
-              <a:t>16-11-2020</a:t>
+              <a:t>26-02-2021</a:t>
             </a:fld>
             <a:endParaRPr lang="en-IN"/>
           </a:p>
@@ -2705,7 +2705,7 @@
           <a:p>
             <a:fld id="{959E71C0-47FE-46EE-B32C-C4C4337A7E6C}" type="datetimeFigureOut">
               <a:rPr lang="en-IN" smtClean="0"/>
-              <a:t>16-11-2020</a:t>
+              <a:t>26-02-2021</a:t>
             </a:fld>
             <a:endParaRPr lang="en-IN"/>
           </a:p>
@@ -2948,7 +2948,7 @@
           <a:p>
             <a:fld id="{959E71C0-47FE-46EE-B32C-C4C4337A7E6C}" type="datetimeFigureOut">
               <a:rPr lang="en-IN" smtClean="0"/>
-              <a:t>16-11-2020</a:t>
+              <a:t>26-02-2021</a:t>
             </a:fld>
             <a:endParaRPr lang="en-IN"/>
           </a:p>
@@ -4131,6 +4131,356 @@
           </a:p>
         </p:txBody>
       </p:sp>
+      <p:graphicFrame>
+        <p:nvGraphicFramePr>
+          <p:cNvPr id="3" name="Table 4">
+            <a:extLst>
+              <a:ext uri="{FF2B5EF4-FFF2-40B4-BE49-F238E27FC236}">
+                <a16:creationId xmlns:a16="http://schemas.microsoft.com/office/drawing/2014/main" id="{560DA08D-93DA-4133-BA5B-9A398E30CC07}"/>
+              </a:ext>
+            </a:extLst>
+          </p:cNvPr>
+          <p:cNvGraphicFramePr>
+            <a:graphicFrameLocks noGrp="1"/>
+          </p:cNvGraphicFramePr>
+          <p:nvPr>
+            <p:extLst>
+              <p:ext uri="{D42A27DB-BD31-4B8C-83A1-F6EECF244321}">
+                <p14:modId xmlns:p14="http://schemas.microsoft.com/office/powerpoint/2010/main" val="2892677351"/>
+              </p:ext>
+            </p:extLst>
+          </p:nvPr>
+        </p:nvGraphicFramePr>
+        <p:xfrm>
+          <a:off x="8974831" y="4137401"/>
+          <a:ext cx="986408" cy="1463040"/>
+        </p:xfrm>
+        <a:graphic>
+          <a:graphicData uri="http://schemas.openxmlformats.org/drawingml/2006/table">
+            <a:tbl>
+              <a:tblPr firstRow="1" bandRow="1">
+                <a:tableStyleId>{5C22544A-7EE6-4342-B048-85BDC9FD1C3A}</a:tableStyleId>
+              </a:tblPr>
+              <a:tblGrid>
+                <a:gridCol w="986408">
+                  <a:extLst>
+                    <a:ext uri="{9D8B030D-6E8A-4147-A177-3AD203B41FA5}">
+                      <a16:colId xmlns:a16="http://schemas.microsoft.com/office/drawing/2014/main" val="856765570"/>
+                    </a:ext>
+                  </a:extLst>
+                </a:gridCol>
+              </a:tblGrid>
+              <a:tr h="359402">
+                <a:tc>
+                  <a:txBody>
+                    <a:bodyPr/>
+                    <a:lstStyle/>
+                    <a:p>
+                      <a:endParaRPr lang="en-IN"/>
+                    </a:p>
+                  </a:txBody>
+                  <a:tcPr/>
+                </a:tc>
+                <a:extLst>
+                  <a:ext uri="{0D108BD9-81ED-4DB2-BD59-A6C34878D82A}">
+                    <a16:rowId xmlns:a16="http://schemas.microsoft.com/office/drawing/2014/main" val="3684778509"/>
+                  </a:ext>
+                </a:extLst>
+              </a:tr>
+              <a:tr h="359402">
+                <a:tc>
+                  <a:txBody>
+                    <a:bodyPr/>
+                    <a:lstStyle/>
+                    <a:p>
+                      <a:r>
+                        <a:rPr lang="en-US" dirty="0"/>
+                        <a:t>23</a:t>
+                      </a:r>
+                      <a:endParaRPr lang="en-IN" dirty="0"/>
+                    </a:p>
+                  </a:txBody>
+                  <a:tcPr/>
+                </a:tc>
+                <a:extLst>
+                  <a:ext uri="{0D108BD9-81ED-4DB2-BD59-A6C34878D82A}">
+                    <a16:rowId xmlns:a16="http://schemas.microsoft.com/office/drawing/2014/main" val="1567603834"/>
+                  </a:ext>
+                </a:extLst>
+              </a:tr>
+              <a:tr h="359402">
+                <a:tc>
+                  <a:txBody>
+                    <a:bodyPr/>
+                    <a:lstStyle/>
+                    <a:p>
+                      <a:r>
+                        <a:rPr lang="en-US" dirty="0"/>
+                        <a:t>20</a:t>
+                      </a:r>
+                      <a:endParaRPr lang="en-IN" dirty="0"/>
+                    </a:p>
+                  </a:txBody>
+                  <a:tcPr/>
+                </a:tc>
+                <a:extLst>
+                  <a:ext uri="{0D108BD9-81ED-4DB2-BD59-A6C34878D82A}">
+                    <a16:rowId xmlns:a16="http://schemas.microsoft.com/office/drawing/2014/main" val="2185889903"/>
+                  </a:ext>
+                </a:extLst>
+              </a:tr>
+              <a:tr h="359402">
+                <a:tc>
+                  <a:txBody>
+                    <a:bodyPr/>
+                    <a:lstStyle/>
+                    <a:p>
+                      <a:r>
+                        <a:rPr lang="en-US" dirty="0"/>
+                        <a:t>22</a:t>
+                      </a:r>
+                      <a:endParaRPr lang="en-IN" dirty="0"/>
+                    </a:p>
+                  </a:txBody>
+                  <a:tcPr/>
+                </a:tc>
+                <a:extLst>
+                  <a:ext uri="{0D108BD9-81ED-4DB2-BD59-A6C34878D82A}">
+                    <a16:rowId xmlns:a16="http://schemas.microsoft.com/office/drawing/2014/main" val="1117376970"/>
+                  </a:ext>
+                </a:extLst>
+              </a:tr>
+            </a:tbl>
+          </a:graphicData>
+        </a:graphic>
+      </p:graphicFrame>
+      <p:sp>
+        <p:nvSpPr>
+          <p:cNvPr id="5" name="TextBox 4">
+            <a:extLst>
+              <a:ext uri="{FF2B5EF4-FFF2-40B4-BE49-F238E27FC236}">
+                <a16:creationId xmlns:a16="http://schemas.microsoft.com/office/drawing/2014/main" id="{8A228F1D-A937-4FE4-894D-239D76563C1C}"/>
+              </a:ext>
+            </a:extLst>
+          </p:cNvPr>
+          <p:cNvSpPr txBox="1"/>
+          <p:nvPr/>
+        </p:nvSpPr>
+        <p:spPr>
+          <a:xfrm>
+            <a:off x="9203642" y="4137401"/>
+            <a:ext cx="565283" cy="369332"/>
+          </a:xfrm>
+          <a:prstGeom prst="rect">
+            <a:avLst/>
+          </a:prstGeom>
+          <a:noFill/>
+        </p:spPr>
+        <p:txBody>
+          <a:bodyPr wrap="none" rtlCol="0">
+            <a:spAutoFit/>
+          </a:bodyPr>
+          <a:lstStyle/>
+          <a:p>
+            <a:r>
+              <a:rPr lang="en-US" b="1" spc="50" dirty="0">
+                <a:ln w="0"/>
+                <a:solidFill>
+                  <a:schemeClr val="bg2"/>
+                </a:solidFill>
+                <a:effectLst>
+                  <a:innerShdw blurRad="63500" dist="50800" dir="13500000">
+                    <a:srgbClr val="000000">
+                      <a:alpha val="50000"/>
+                    </a:srgbClr>
+                  </a:innerShdw>
+                </a:effectLst>
+              </a:rPr>
+              <a:t>Age</a:t>
+            </a:r>
+            <a:endParaRPr lang="en-IN" b="1" spc="50" dirty="0">
+              <a:ln w="0"/>
+              <a:solidFill>
+                <a:schemeClr val="bg2"/>
+              </a:solidFill>
+              <a:effectLst>
+                <a:innerShdw blurRad="63500" dist="50800" dir="13500000">
+                  <a:srgbClr val="000000">
+                    <a:alpha val="50000"/>
+                  </a:srgbClr>
+                </a:innerShdw>
+              </a:effectLst>
+            </a:endParaRPr>
+          </a:p>
+        </p:txBody>
+      </p:sp>
+      <p:graphicFrame>
+        <p:nvGraphicFramePr>
+          <p:cNvPr id="7" name="Table 8">
+            <a:extLst>
+              <a:ext uri="{FF2B5EF4-FFF2-40B4-BE49-F238E27FC236}">
+                <a16:creationId xmlns:a16="http://schemas.microsoft.com/office/drawing/2014/main" id="{18EB117F-F2EE-422F-815B-430A9FB74CC7}"/>
+              </a:ext>
+            </a:extLst>
+          </p:cNvPr>
+          <p:cNvGraphicFramePr>
+            <a:graphicFrameLocks noGrp="1"/>
+          </p:cNvGraphicFramePr>
+          <p:nvPr>
+            <p:extLst>
+              <p:ext uri="{D42A27DB-BD31-4B8C-83A1-F6EECF244321}">
+                <p14:modId xmlns:p14="http://schemas.microsoft.com/office/powerpoint/2010/main" val="4157816363"/>
+              </p:ext>
+            </p:extLst>
+          </p:nvPr>
+        </p:nvGraphicFramePr>
+        <p:xfrm>
+          <a:off x="9961239" y="4137401"/>
+          <a:ext cx="1242380" cy="1478280"/>
+        </p:xfrm>
+        <a:graphic>
+          <a:graphicData uri="http://schemas.openxmlformats.org/drawingml/2006/table">
+            <a:tbl>
+              <a:tblPr firstRow="1" bandRow="1">
+                <a:tableStyleId>{5C22544A-7EE6-4342-B048-85BDC9FD1C3A}</a:tableStyleId>
+              </a:tblPr>
+              <a:tblGrid>
+                <a:gridCol w="1242380">
+                  <a:extLst>
+                    <a:ext uri="{9D8B030D-6E8A-4147-A177-3AD203B41FA5}">
+                      <a16:colId xmlns:a16="http://schemas.microsoft.com/office/drawing/2014/main" val="360904012"/>
+                    </a:ext>
+                  </a:extLst>
+                </a:gridCol>
+              </a:tblGrid>
+              <a:tr h="0">
+                <a:tc>
+                  <a:txBody>
+                    <a:bodyPr/>
+                    <a:lstStyle/>
+                    <a:p>
+                      <a:endParaRPr lang="en-IN"/>
+                    </a:p>
+                  </a:txBody>
+                  <a:tcPr/>
+                </a:tc>
+                <a:extLst>
+                  <a:ext uri="{0D108BD9-81ED-4DB2-BD59-A6C34878D82A}">
+                    <a16:rowId xmlns:a16="http://schemas.microsoft.com/office/drawing/2014/main" val="366049889"/>
+                  </a:ext>
+                </a:extLst>
+              </a:tr>
+              <a:tr h="370840">
+                <a:tc>
+                  <a:txBody>
+                    <a:bodyPr/>
+                    <a:lstStyle/>
+                    <a:p>
+                      <a:r>
+                        <a:rPr lang="en-US" dirty="0"/>
+                        <a:t>Mexico</a:t>
+                      </a:r>
+                      <a:endParaRPr lang="en-IN" dirty="0"/>
+                    </a:p>
+                  </a:txBody>
+                  <a:tcPr/>
+                </a:tc>
+                <a:extLst>
+                  <a:ext uri="{0D108BD9-81ED-4DB2-BD59-A6C34878D82A}">
+                    <a16:rowId xmlns:a16="http://schemas.microsoft.com/office/drawing/2014/main" val="1253658328"/>
+                  </a:ext>
+                </a:extLst>
+              </a:tr>
+              <a:tr h="370840">
+                <a:tc>
+                  <a:txBody>
+                    <a:bodyPr/>
+                    <a:lstStyle/>
+                    <a:p>
+                      <a:r>
+                        <a:rPr lang="en-US" dirty="0"/>
+                        <a:t>New Jersey</a:t>
+                      </a:r>
+                      <a:endParaRPr lang="en-IN" dirty="0"/>
+                    </a:p>
+                  </a:txBody>
+                  <a:tcPr/>
+                </a:tc>
+                <a:extLst>
+                  <a:ext uri="{0D108BD9-81ED-4DB2-BD59-A6C34878D82A}">
+                    <a16:rowId xmlns:a16="http://schemas.microsoft.com/office/drawing/2014/main" val="2422004239"/>
+                  </a:ext>
+                </a:extLst>
+              </a:tr>
+              <a:tr h="370840">
+                <a:tc>
+                  <a:txBody>
+                    <a:bodyPr/>
+                    <a:lstStyle/>
+                    <a:p>
+                      <a:r>
+                        <a:rPr lang="en-US" dirty="0"/>
+                        <a:t>California</a:t>
+                      </a:r>
+                      <a:endParaRPr lang="en-IN" dirty="0"/>
+                    </a:p>
+                  </a:txBody>
+                  <a:tcPr/>
+                </a:tc>
+                <a:extLst>
+                  <a:ext uri="{0D108BD9-81ED-4DB2-BD59-A6C34878D82A}">
+                    <a16:rowId xmlns:a16="http://schemas.microsoft.com/office/drawing/2014/main" val="503115442"/>
+                  </a:ext>
+                </a:extLst>
+              </a:tr>
+            </a:tbl>
+          </a:graphicData>
+        </a:graphic>
+      </p:graphicFrame>
+      <p:sp>
+        <p:nvSpPr>
+          <p:cNvPr id="9" name="TextBox 8">
+            <a:extLst>
+              <a:ext uri="{FF2B5EF4-FFF2-40B4-BE49-F238E27FC236}">
+                <a16:creationId xmlns:a16="http://schemas.microsoft.com/office/drawing/2014/main" id="{C93879B0-C761-4F48-9DD0-94AC652BF055}"/>
+              </a:ext>
+            </a:extLst>
+          </p:cNvPr>
+          <p:cNvSpPr txBox="1"/>
+          <p:nvPr/>
+        </p:nvSpPr>
+        <p:spPr>
+          <a:xfrm>
+            <a:off x="10097684" y="4137401"/>
+            <a:ext cx="933461" cy="369332"/>
+          </a:xfrm>
+          <a:prstGeom prst="rect">
+            <a:avLst/>
+          </a:prstGeom>
+          <a:noFill/>
+        </p:spPr>
+        <p:txBody>
+          <a:bodyPr wrap="none" rtlCol="0">
+            <a:spAutoFit/>
+          </a:bodyPr>
+          <a:lstStyle/>
+          <a:p>
+            <a:r>
+              <a:rPr lang="en-US" dirty="0">
+                <a:solidFill>
+                  <a:schemeClr val="bg1"/>
+                </a:solidFill>
+              </a:rPr>
+              <a:t>Address</a:t>
+            </a:r>
+            <a:endParaRPr lang="en-IN" dirty="0">
+              <a:solidFill>
+                <a:schemeClr val="bg1"/>
+              </a:solidFill>
+            </a:endParaRPr>
+          </a:p>
+        </p:txBody>
+      </p:sp>
     </p:spTree>
     <p:extLst>
       <p:ext uri="{BB962C8B-B14F-4D97-AF65-F5344CB8AC3E}">
@@ -4371,7 +4721,7 @@
             <a:pPr algn="ctr"/>
             <a:r>
               <a:rPr lang="en-US" dirty="0"/>
-              <a:t> shape()</a:t>
+              <a:t> shape</a:t>
             </a:r>
             <a:endParaRPr lang="en-IN" dirty="0"/>
           </a:p>
@@ -4495,16 +4845,16 @@
             </a:pPr>
             <a:r>
               <a:rPr lang="en-US" dirty="0"/>
-              <a:t>import pandas as pd </a:t>
-            </a:r>
-          </a:p>
-          <a:p>
-            <a:pPr marL="0" indent="0">
+              <a:t>    import pandas as pd </a:t>
+            </a:r>
+          </a:p>
+          <a:p>
+            <a:pPr marL="457200" lvl="1" indent="0">
               <a:buNone/>
             </a:pPr>
             <a:r>
               <a:rPr lang="en-US" dirty="0"/>
-              <a:t>Iris=</a:t>
+              <a:t>data=</a:t>
             </a:r>
             <a:r>
               <a:rPr lang="en-US" dirty="0" err="1"/>
@@ -4516,7 +4866,7 @@
             </a:r>
           </a:p>
           <a:p>
-            <a:pPr marL="0" indent="0">
+            <a:pPr marL="457200" lvl="1" indent="0">
               <a:buNone/>
             </a:pPr>
             <a:r>
@@ -4525,11 +4875,11 @@
             </a:r>
             <a:r>
               <a:rPr lang="en-US" dirty="0"/>
-              <a:t>() #prints first 5 records</a:t>
-            </a:r>
-          </a:p>
-          <a:p>
-            <a:pPr marL="0" indent="0">
+              <a:t>() #------prints first 5 records</a:t>
+            </a:r>
+          </a:p>
+          <a:p>
+            <a:pPr marL="457200" lvl="1" indent="0">
               <a:buNone/>
             </a:pPr>
             <a:r>
@@ -4538,11 +4888,11 @@
             </a:r>
             <a:r>
               <a:rPr lang="en-US" dirty="0"/>
-              <a:t>() # prints last 5 records</a:t>
-            </a:r>
-          </a:p>
-          <a:p>
-            <a:pPr marL="0" indent="0">
+              <a:t>() # ------prints last 5 records</a:t>
+            </a:r>
+          </a:p>
+          <a:p>
+            <a:pPr marL="457200" lvl="1" indent="0">
               <a:buNone/>
             </a:pPr>
             <a:r>
@@ -4551,7 +4901,7 @@
             </a:r>
             <a:r>
               <a:rPr lang="en-US" dirty="0"/>
-              <a:t>() #(no of </a:t>
+              <a:t> #-----(no of </a:t>
             </a:r>
             <a:r>
               <a:rPr lang="en-US" dirty="0" err="1"/>
@@ -4563,7 +4913,7 @@
             </a:r>
           </a:p>
           <a:p>
-            <a:pPr marL="0" indent="0">
+            <a:pPr marL="457200" lvl="1" indent="0">
               <a:buNone/>
             </a:pPr>
             <a:r>
@@ -4572,7 +4922,7 @@
             </a:r>
             <a:r>
               <a:rPr lang="en-US" dirty="0"/>
-              <a:t>() #prints mean value</a:t>
+              <a:t>() #----prints mean value</a:t>
             </a:r>
             <a:endParaRPr lang="en-IN" dirty="0"/>
           </a:p>
@@ -7261,10 +7611,18 @@
           <a:p>
             <a:pPr algn="ctr"/>
             <a:r>
-              <a:rPr lang="en-US"/>
-              <a:t>print(data[['Kms Driven','Mileage']].apply(half))</a:t>
-            </a:r>
-            <a:endParaRPr lang="en-IN"/>
+              <a:rPr lang="en-US" dirty="0"/>
+              <a:t>print(data[['Kms </a:t>
+            </a:r>
+            <a:r>
+              <a:rPr lang="en-US" dirty="0" err="1"/>
+              <a:t>Driven','Mileage</a:t>
+            </a:r>
+            <a:r>
+              <a:rPr lang="en-US" dirty="0"/>
+              <a:t>']].apply(half))</a:t>
+            </a:r>
+            <a:endParaRPr lang="en-IN" dirty="0"/>
           </a:p>
         </p:txBody>
       </p:sp>
@@ -9183,7 +9541,7 @@
         <p:spPr>
           <a:xfrm>
             <a:off x="5433133" y="1429305"/>
-            <a:ext cx="5992427" cy="3533313"/>
+            <a:ext cx="6418556" cy="3622089"/>
           </a:xfrm>
           <a:prstGeom prst="round2DiagRect">
             <a:avLst/>
@@ -9223,15 +9581,7 @@
             </a:r>
             <a:r>
               <a:rPr lang="en-US" dirty="0"/>
-              <a:t> ({‘a’:10,’b’:20,’c’:30}) ,index=[‘</a:t>
-            </a:r>
-            <a:r>
-              <a:rPr lang="en-US" dirty="0" err="1"/>
-              <a:t>a’,’b’,’c’,’d’,’e</a:t>
-            </a:r>
-            <a:r>
-              <a:rPr lang="en-US" dirty="0"/>
-              <a:t>’])</a:t>
+              <a:t> ({‘a’:10,’b’:20,’c’:30}) ,index=[‘a’, ’b’, ’c’, ’d’, ’e’])</a:t>
             </a:r>
           </a:p>
           <a:p>
@@ -9626,7 +9976,7 @@
           <a:p>
             <a:r>
               <a:rPr lang="en-US" dirty="0"/>
-              <a:t> print(s1[-3:])</a:t>
+              <a:t> print(s1[-3 : ])</a:t>
             </a:r>
           </a:p>
           <a:p>
@@ -9730,7 +10080,7 @@
           <a:noFill/>
         </p:spPr>
         <p:txBody>
-          <a:bodyPr wrap="none" rtlCol="0">
+          <a:bodyPr wrap="square" rtlCol="0">
             <a:spAutoFit/>
           </a:bodyPr>
           <a:lstStyle/>
